--- a/Capstone.pptx
+++ b/Capstone.pptx
@@ -4271,7 +4271,23 @@
           <a:p>
             <a:r>
               <a:rPr lang="en-US" dirty="0" smtClean="0"/>
-              <a:t>The Logistic Regression Model performed slightly better than the Random Forest model</a:t>
+              <a:t>The Random Forest Model performed better than the Logistic Regression Model</a:t>
+            </a:r>
+          </a:p>
+          <a:p>
+            <a:r>
+              <a:rPr lang="en-US" dirty="0" smtClean="0"/>
+              <a:t>The Root Mean Square Error of the Random Forest Model is 0.376</a:t>
+            </a:r>
+          </a:p>
+          <a:p>
+            <a:r>
+              <a:rPr lang="en-US" dirty="0" smtClean="0"/>
+              <a:t>The Root Mean Square Error of the Logistic Regression </a:t>
+            </a:r>
+            <a:r>
+              <a:rPr lang="en-US" smtClean="0"/>
+              <a:t>Model is 0.948</a:t>
             </a:r>
             <a:endParaRPr lang="en-US" dirty="0"/>
           </a:p>
